--- a/监控设计.pptx
+++ b/监控设计.pptx
@@ -10,6 +10,8 @@
     <p:sldId id="259" r:id="rId4"/>
     <p:sldId id="260" r:id="rId5"/>
     <p:sldId id="261" r:id="rId6"/>
+    <p:sldId id="262" r:id="rId7"/>
+    <p:sldId id="263" r:id="rId8"/>
   </p:sldIdLst>
   <p:sldSz cx="9144000" cy="6858000" type="screen4x3"/>
   <p:notesSz cx="6858000" cy="9144000"/>
@@ -292,7 +294,7 @@
           <a:p>
             <a:fld id="{530820CF-B880-4189-942D-D702A7CBA730}" type="datetimeFigureOut">
               <a:rPr lang="zh-CN" altLang="en-US" smtClean="0"/>
-              <a:t>2018/3/30</a:t>
+              <a:t>2018/4/10</a:t>
             </a:fld>
             <a:endParaRPr lang="zh-CN" altLang="en-US"/>
           </a:p>
@@ -457,7 +459,7 @@
           <a:p>
             <a:fld id="{530820CF-B880-4189-942D-D702A7CBA730}" type="datetimeFigureOut">
               <a:rPr lang="zh-CN" altLang="en-US" smtClean="0"/>
-              <a:t>2018/3/30</a:t>
+              <a:t>2018/4/10</a:t>
             </a:fld>
             <a:endParaRPr lang="zh-CN" altLang="en-US"/>
           </a:p>
@@ -632,7 +634,7 @@
           <a:p>
             <a:fld id="{530820CF-B880-4189-942D-D702A7CBA730}" type="datetimeFigureOut">
               <a:rPr lang="zh-CN" altLang="en-US" smtClean="0"/>
-              <a:t>2018/3/30</a:t>
+              <a:t>2018/4/10</a:t>
             </a:fld>
             <a:endParaRPr lang="zh-CN" altLang="en-US"/>
           </a:p>
@@ -797,7 +799,7 @@
           <a:p>
             <a:fld id="{530820CF-B880-4189-942D-D702A7CBA730}" type="datetimeFigureOut">
               <a:rPr lang="zh-CN" altLang="en-US" smtClean="0"/>
-              <a:t>2018/3/30</a:t>
+              <a:t>2018/4/10</a:t>
             </a:fld>
             <a:endParaRPr lang="zh-CN" altLang="en-US"/>
           </a:p>
@@ -1038,7 +1040,7 @@
           <a:p>
             <a:fld id="{530820CF-B880-4189-942D-D702A7CBA730}" type="datetimeFigureOut">
               <a:rPr lang="zh-CN" altLang="en-US" smtClean="0"/>
-              <a:t>2018/3/30</a:t>
+              <a:t>2018/4/10</a:t>
             </a:fld>
             <a:endParaRPr lang="zh-CN" altLang="en-US"/>
           </a:p>
@@ -1321,7 +1323,7 @@
           <a:p>
             <a:fld id="{530820CF-B880-4189-942D-D702A7CBA730}" type="datetimeFigureOut">
               <a:rPr lang="zh-CN" altLang="en-US" smtClean="0"/>
-              <a:t>2018/3/30</a:t>
+              <a:t>2018/4/10</a:t>
             </a:fld>
             <a:endParaRPr lang="zh-CN" altLang="en-US"/>
           </a:p>
@@ -1738,7 +1740,7 @@
           <a:p>
             <a:fld id="{530820CF-B880-4189-942D-D702A7CBA730}" type="datetimeFigureOut">
               <a:rPr lang="zh-CN" altLang="en-US" smtClean="0"/>
-              <a:t>2018/3/30</a:t>
+              <a:t>2018/4/10</a:t>
             </a:fld>
             <a:endParaRPr lang="zh-CN" altLang="en-US"/>
           </a:p>
@@ -1851,7 +1853,7 @@
           <a:p>
             <a:fld id="{530820CF-B880-4189-942D-D702A7CBA730}" type="datetimeFigureOut">
               <a:rPr lang="zh-CN" altLang="en-US" smtClean="0"/>
-              <a:t>2018/3/30</a:t>
+              <a:t>2018/4/10</a:t>
             </a:fld>
             <a:endParaRPr lang="zh-CN" altLang="en-US"/>
           </a:p>
@@ -1941,7 +1943,7 @@
           <a:p>
             <a:fld id="{530820CF-B880-4189-942D-D702A7CBA730}" type="datetimeFigureOut">
               <a:rPr lang="zh-CN" altLang="en-US" smtClean="0"/>
-              <a:t>2018/3/30</a:t>
+              <a:t>2018/4/10</a:t>
             </a:fld>
             <a:endParaRPr lang="zh-CN" altLang="en-US"/>
           </a:p>
@@ -2213,7 +2215,7 @@
           <a:p>
             <a:fld id="{530820CF-B880-4189-942D-D702A7CBA730}" type="datetimeFigureOut">
               <a:rPr lang="zh-CN" altLang="en-US" smtClean="0"/>
-              <a:t>2018/3/30</a:t>
+              <a:t>2018/4/10</a:t>
             </a:fld>
             <a:endParaRPr lang="zh-CN" altLang="en-US"/>
           </a:p>
@@ -2461,7 +2463,7 @@
           <a:p>
             <a:fld id="{530820CF-B880-4189-942D-D702A7CBA730}" type="datetimeFigureOut">
               <a:rPr lang="zh-CN" altLang="en-US" smtClean="0"/>
-              <a:t>2018/3/30</a:t>
+              <a:t>2018/4/10</a:t>
             </a:fld>
             <a:endParaRPr lang="zh-CN" altLang="en-US"/>
           </a:p>
@@ -2669,7 +2671,7 @@
           <a:p>
             <a:fld id="{530820CF-B880-4189-942D-D702A7CBA730}" type="datetimeFigureOut">
               <a:rPr lang="zh-CN" altLang="en-US" smtClean="0"/>
-              <a:t>2018/3/30</a:t>
+              <a:t>2018/4/10</a:t>
             </a:fld>
             <a:endParaRPr lang="zh-CN" altLang="en-US"/>
           </a:p>
@@ -5866,7 +5868,7 @@
         <p:spPr>
           <a:xfrm flipH="1">
             <a:off x="827584" y="1700808"/>
-            <a:ext cx="4238228" cy="2585323"/>
+            <a:ext cx="4238228" cy="2862322"/>
           </a:xfrm>
           <a:prstGeom prst="rect">
             <a:avLst/>
@@ -5896,7 +5898,7 @@
           <a:p>
             <a:r>
               <a:rPr lang="en-US" altLang="zh-CN" dirty="0" smtClean="0"/>
-              <a:t>{’period</a:t>
+              <a:t>{      ’period</a:t>
             </a:r>
             <a:r>
               <a:rPr lang="en-US" altLang="zh-CN" dirty="0"/>
@@ -5908,8 +5910,27 @@
             </a:r>
             <a:r>
               <a:rPr lang="en-US" altLang="zh-CN" dirty="0"/>
-              <a:t>60,</a:t>
-            </a:r>
+              <a:t>60</a:t>
+            </a:r>
+            <a:r>
+              <a:rPr lang="en-US" altLang="zh-CN" dirty="0" smtClean="0"/>
+              <a:t>,</a:t>
+            </a:r>
+          </a:p>
+          <a:p>
+            <a:r>
+              <a:rPr lang="en-US" altLang="zh-CN"/>
+              <a:t> </a:t>
+            </a:r>
+            <a:r>
+              <a:rPr lang="en-US" altLang="zh-CN" smtClean="0"/>
+              <a:t>       ‘host’:  </a:t>
+            </a:r>
+            <a:r>
+              <a:rPr lang="en-US" altLang="zh-CN" dirty="0" smtClean="0"/>
+              <a:t>‘keystone’,</a:t>
+            </a:r>
+            <a:endParaRPr lang="en-US" altLang="zh-CN" dirty="0"/>
           </a:p>
           <a:p>
             <a:r>
@@ -5995,6 +6016,1340 @@
     <p:extLst>
       <p:ext uri="{BB962C8B-B14F-4D97-AF65-F5344CB8AC3E}">
         <p14:creationId xmlns:p14="http://schemas.microsoft.com/office/powerpoint/2010/main" val="3670736941"/>
+      </p:ext>
+    </p:extLst>
+  </p:cSld>
+  <p:clrMapOvr>
+    <a:masterClrMapping/>
+  </p:clrMapOvr>
+</p:sld>
+</file>
+
+<file path=ppt/slides/slide6.xml><?xml version="1.0" encoding="utf-8"?>
+<p:sld xmlns:a="http://schemas.openxmlformats.org/drawingml/2006/main" xmlns:r="http://schemas.openxmlformats.org/officeDocument/2006/relationships" xmlns:p="http://schemas.openxmlformats.org/presentationml/2006/main">
+  <p:cSld>
+    <p:spTree>
+      <p:nvGrpSpPr>
+        <p:cNvPr id="1" name=""/>
+        <p:cNvGrpSpPr/>
+        <p:nvPr/>
+      </p:nvGrpSpPr>
+      <p:grpSpPr>
+        <a:xfrm>
+          <a:off x="0" y="0"/>
+          <a:ext cx="0" cy="0"/>
+          <a:chOff x="0" y="0"/>
+          <a:chExt cx="0" cy="0"/>
+        </a:xfrm>
+      </p:grpSpPr>
+      <p:sp>
+        <p:nvSpPr>
+          <p:cNvPr id="2" name="TextBox 1"/>
+          <p:cNvSpPr txBox="1"/>
+          <p:nvPr/>
+        </p:nvSpPr>
+        <p:spPr>
+          <a:xfrm>
+            <a:off x="2771800" y="44624"/>
+            <a:ext cx="3237233" cy="369332"/>
+          </a:xfrm>
+          <a:prstGeom prst="rect">
+            <a:avLst/>
+          </a:prstGeom>
+          <a:noFill/>
+        </p:spPr>
+        <p:txBody>
+          <a:bodyPr wrap="none" rtlCol="0">
+            <a:spAutoFit/>
+          </a:bodyPr>
+          <a:lstStyle/>
+          <a:p>
+            <a:r>
+              <a:rPr lang="zh-CN" altLang="en-US" dirty="0" smtClean="0"/>
+              <a:t>各指标存储在</a:t>
+            </a:r>
+            <a:r>
+              <a:rPr lang="en-US" altLang="zh-CN" dirty="0" smtClean="0"/>
+              <a:t>elasticsearch</a:t>
+            </a:r>
+            <a:r>
+              <a:rPr lang="zh-CN" altLang="en-US" dirty="0" smtClean="0"/>
+              <a:t>规划</a:t>
+            </a:r>
+            <a:endParaRPr lang="zh-CN" altLang="en-US" dirty="0"/>
+          </a:p>
+        </p:txBody>
+      </p:sp>
+      <p:graphicFrame>
+        <p:nvGraphicFramePr>
+          <p:cNvPr id="4" name="表格 3"/>
+          <p:cNvGraphicFramePr>
+            <a:graphicFrameLocks noGrp="1"/>
+          </p:cNvGraphicFramePr>
+          <p:nvPr>
+            <p:extLst>
+              <p:ext uri="{D42A27DB-BD31-4B8C-83A1-F6EECF244321}">
+                <p14:modId xmlns:p14="http://schemas.microsoft.com/office/powerpoint/2010/main" val="629670555"/>
+              </p:ext>
+            </p:extLst>
+          </p:nvPr>
+        </p:nvGraphicFramePr>
+        <p:xfrm>
+          <a:off x="179512" y="476672"/>
+          <a:ext cx="8856984" cy="6153904"/>
+        </p:xfrm>
+        <a:graphic>
+          <a:graphicData uri="http://schemas.openxmlformats.org/drawingml/2006/table">
+            <a:tbl>
+              <a:tblPr firstRow="1" bandRow="1">
+                <a:tableStyleId>{5C22544A-7EE6-4342-B048-85BDC9FD1C3A}</a:tableStyleId>
+              </a:tblPr>
+              <a:tblGrid>
+                <a:gridCol w="2160240"/>
+                <a:gridCol w="2952328"/>
+                <a:gridCol w="3744416"/>
+              </a:tblGrid>
+              <a:tr h="576064">
+                <a:tc>
+                  <a:txBody>
+                    <a:bodyPr/>
+                    <a:lstStyle/>
+                    <a:p>
+                      <a:r>
+                        <a:rPr lang="zh-CN" altLang="en-US" u="none" dirty="0" smtClean="0"/>
+                        <a:t>索引（</a:t>
+                      </a:r>
+                      <a:r>
+                        <a:rPr lang="en-US" altLang="zh-CN" u="none" dirty="0" smtClean="0"/>
+                        <a:t>index</a:t>
+                      </a:r>
+                      <a:r>
+                        <a:rPr lang="zh-CN" altLang="en-US" u="none" dirty="0" smtClean="0"/>
+                        <a:t>）</a:t>
+                      </a:r>
+                      <a:endParaRPr lang="zh-CN" altLang="en-US" u="none" dirty="0"/>
+                    </a:p>
+                  </a:txBody>
+                  <a:tcPr/>
+                </a:tc>
+                <a:tc>
+                  <a:txBody>
+                    <a:bodyPr/>
+                    <a:lstStyle/>
+                    <a:p>
+                      <a:r>
+                        <a:rPr lang="zh-CN" altLang="en-US" u="none" dirty="0" smtClean="0"/>
+                        <a:t>类型（</a:t>
+                      </a:r>
+                      <a:r>
+                        <a:rPr lang="en-US" altLang="zh-CN" u="none" dirty="0" smtClean="0"/>
+                        <a:t>type</a:t>
+                      </a:r>
+                      <a:r>
+                        <a:rPr lang="zh-CN" altLang="en-US" u="none" dirty="0" smtClean="0"/>
+                        <a:t>）</a:t>
+                      </a:r>
+                      <a:endParaRPr lang="zh-CN" altLang="en-US" u="none" dirty="0"/>
+                    </a:p>
+                  </a:txBody>
+                  <a:tcPr/>
+                </a:tc>
+                <a:tc>
+                  <a:txBody>
+                    <a:bodyPr/>
+                    <a:lstStyle/>
+                    <a:p>
+                      <a:r>
+                        <a:rPr lang="zh-CN" altLang="en-US" u="none" dirty="0" smtClean="0"/>
+                        <a:t>文档（</a:t>
+                      </a:r>
+                      <a:r>
+                        <a:rPr lang="en-US" altLang="zh-CN" u="none" dirty="0" smtClean="0"/>
+                        <a:t>document</a:t>
+                      </a:r>
+                      <a:r>
+                        <a:rPr lang="zh-CN" altLang="en-US" u="none" dirty="0" smtClean="0"/>
+                        <a:t>）</a:t>
+                      </a:r>
+                      <a:endParaRPr lang="zh-CN" altLang="en-US" u="none" dirty="0"/>
+                    </a:p>
+                  </a:txBody>
+                  <a:tcPr/>
+                </a:tc>
+              </a:tr>
+              <a:tr h="380538">
+                <a:tc>
+                  <a:txBody>
+                    <a:bodyPr/>
+                    <a:lstStyle/>
+                    <a:p>
+                      <a:r>
+                        <a:rPr lang="en-US" altLang="zh-CN" u="none" dirty="0" smtClean="0"/>
+                        <a:t>monitor</a:t>
+                      </a:r>
+                      <a:endParaRPr lang="zh-CN" altLang="en-US" u="none" dirty="0"/>
+                    </a:p>
+                  </a:txBody>
+                  <a:tcPr/>
+                </a:tc>
+                <a:tc>
+                  <a:txBody>
+                    <a:bodyPr/>
+                    <a:lstStyle/>
+                    <a:p>
+                      <a:r>
+                        <a:rPr lang="en-US" altLang="zh-CN" u="none" dirty="0" smtClean="0"/>
+                        <a:t>cpu</a:t>
+                      </a:r>
+                      <a:endParaRPr lang="zh-CN" altLang="en-US" u="none" dirty="0"/>
+                    </a:p>
+                  </a:txBody>
+                  <a:tcPr/>
+                </a:tc>
+                <a:tc>
+                  <a:txBody>
+                    <a:bodyPr/>
+                    <a:lstStyle/>
+                    <a:p>
+                      <a:r>
+                        <a:rPr lang="en-US" altLang="zh-CN" sz="1800" kern="1200" dirty="0" smtClean="0">
+                          <a:solidFill>
+                            <a:schemeClr val="dk1"/>
+                          </a:solidFill>
+                          <a:latin typeface="+mn-lt"/>
+                          <a:ea typeface="+mn-ea"/>
+                          <a:cs typeface="+mn-cs"/>
+                        </a:rPr>
+                        <a:t>{</a:t>
+                      </a:r>
+                      <a:r>
+                        <a:rPr lang="en-US" altLang="zh-CN" sz="1800" i="1" kern="1200" dirty="0" smtClean="0">
+                          <a:solidFill>
+                            <a:schemeClr val="dk1"/>
+                          </a:solidFill>
+                          <a:latin typeface="+mn-lt"/>
+                          <a:ea typeface="+mn-ea"/>
+                          <a:cs typeface="+mn-cs"/>
+                        </a:rPr>
+                        <a:t>'host' : '</a:t>
+                      </a:r>
+                      <a:r>
+                        <a:rPr lang="en-US" altLang="zh-CN" sz="1800" i="1" u="sng" kern="1200" dirty="0" smtClean="0">
+                          <a:solidFill>
+                            <a:schemeClr val="dk1"/>
+                          </a:solidFill>
+                          <a:latin typeface="+mn-lt"/>
+                          <a:ea typeface="+mn-ea"/>
+                          <a:cs typeface="+mn-cs"/>
+                        </a:rPr>
+                        <a:t>keystone',</a:t>
+                      </a:r>
+                    </a:p>
+                    <a:p>
+                      <a:r>
+                        <a:rPr lang="en-US" altLang="zh-CN" sz="1800" kern="1200" dirty="0" smtClean="0">
+                          <a:solidFill>
+                            <a:schemeClr val="dk1"/>
+                          </a:solidFill>
+                          <a:latin typeface="+mn-lt"/>
+                          <a:ea typeface="+mn-ea"/>
+                          <a:cs typeface="+mn-cs"/>
+                        </a:rPr>
+                        <a:t> </a:t>
+                      </a:r>
+                      <a:r>
+                        <a:rPr lang="en-US" altLang="zh-CN" sz="1800" i="1" kern="1200" dirty="0" smtClean="0">
+                          <a:solidFill>
+                            <a:schemeClr val="dk1"/>
+                          </a:solidFill>
+                          <a:latin typeface="+mn-lt"/>
+                          <a:ea typeface="+mn-ea"/>
+                          <a:cs typeface="+mn-cs"/>
+                        </a:rPr>
+                        <a:t>'</a:t>
+                      </a:r>
+                      <a:r>
+                        <a:rPr lang="en-US" altLang="zh-CN" sz="1800" i="1" u="sng" kern="1200" dirty="0" smtClean="0">
+                          <a:solidFill>
+                            <a:schemeClr val="dk1"/>
+                          </a:solidFill>
+                          <a:latin typeface="+mn-lt"/>
+                          <a:ea typeface="+mn-ea"/>
+                          <a:cs typeface="+mn-cs"/>
+                        </a:rPr>
+                        <a:t>timestamp' : '2018-04-10 16:13:23',</a:t>
+                      </a:r>
+                    </a:p>
+                    <a:p>
+                      <a:r>
+                        <a:rPr lang="en-US" altLang="zh-CN" sz="1800" kern="1200" dirty="0" smtClean="0">
+                          <a:solidFill>
+                            <a:schemeClr val="dk1"/>
+                          </a:solidFill>
+                          <a:latin typeface="+mn-lt"/>
+                          <a:ea typeface="+mn-ea"/>
+                          <a:cs typeface="+mn-cs"/>
+                        </a:rPr>
+                        <a:t>  </a:t>
+                      </a:r>
+                      <a:r>
+                        <a:rPr lang="en-US" altLang="zh-CN" sz="1800" i="1" kern="1200" dirty="0" smtClean="0">
+                          <a:solidFill>
+                            <a:schemeClr val="dk1"/>
+                          </a:solidFill>
+                          <a:latin typeface="+mn-lt"/>
+                          <a:ea typeface="+mn-ea"/>
+                          <a:cs typeface="+mn-cs"/>
+                        </a:rPr>
+                        <a:t>'usage' : 0.25,</a:t>
+                      </a:r>
+                    </a:p>
+                    <a:p>
+                      <a:r>
+                        <a:rPr lang="en-US" altLang="zh-CN" sz="1800" kern="1200" dirty="0" smtClean="0">
+                          <a:solidFill>
+                            <a:schemeClr val="dk1"/>
+                          </a:solidFill>
+                          <a:latin typeface="+mn-lt"/>
+                          <a:ea typeface="+mn-ea"/>
+                          <a:cs typeface="+mn-cs"/>
+                        </a:rPr>
+                        <a:t>  </a:t>
+                      </a:r>
+                      <a:r>
+                        <a:rPr lang="en-US" altLang="zh-CN" sz="1800" i="1" kern="1200" dirty="0" smtClean="0">
+                          <a:solidFill>
+                            <a:schemeClr val="dk1"/>
+                          </a:solidFill>
+                          <a:latin typeface="+mn-lt"/>
+                          <a:ea typeface="+mn-ea"/>
+                          <a:cs typeface="+mn-cs"/>
+                        </a:rPr>
+                        <a:t>'</a:t>
+                      </a:r>
+                      <a:r>
+                        <a:rPr lang="en-US" altLang="zh-CN" sz="1800" i="1" u="sng" kern="1200" dirty="0" err="1" smtClean="0">
+                          <a:solidFill>
+                            <a:schemeClr val="dk1"/>
+                          </a:solidFill>
+                          <a:latin typeface="+mn-lt"/>
+                          <a:ea typeface="+mn-ea"/>
+                          <a:cs typeface="+mn-cs"/>
+                        </a:rPr>
+                        <a:t>iowait</a:t>
+                      </a:r>
+                      <a:r>
+                        <a:rPr lang="en-US" altLang="zh-CN" sz="1800" i="1" u="sng" kern="1200" dirty="0" smtClean="0">
+                          <a:solidFill>
+                            <a:schemeClr val="dk1"/>
+                          </a:solidFill>
+                          <a:latin typeface="+mn-lt"/>
+                          <a:ea typeface="+mn-ea"/>
+                          <a:cs typeface="+mn-cs"/>
+                        </a:rPr>
+                        <a:t>' : 0.00}</a:t>
+                      </a:r>
+                      <a:endParaRPr lang="zh-CN" altLang="en-US" u="none" dirty="0"/>
+                    </a:p>
+                  </a:txBody>
+                  <a:tcPr/>
+                </a:tc>
+              </a:tr>
+              <a:tr h="380538">
+                <a:tc>
+                  <a:txBody>
+                    <a:bodyPr/>
+                    <a:lstStyle/>
+                    <a:p>
+                      <a:r>
+                        <a:rPr lang="en-US" altLang="zh-CN" u="none" dirty="0" smtClean="0"/>
+                        <a:t>monitor</a:t>
+                      </a:r>
+                      <a:endParaRPr lang="zh-CN" altLang="en-US" u="none" dirty="0"/>
+                    </a:p>
+                  </a:txBody>
+                  <a:tcPr/>
+                </a:tc>
+                <a:tc>
+                  <a:txBody>
+                    <a:bodyPr/>
+                    <a:lstStyle/>
+                    <a:p>
+                      <a:pPr marL="0" marR="0" indent="0" algn="l" defTabSz="914400" rtl="0" eaLnBrk="1" fontAlgn="auto" latinLnBrk="0" hangingPunct="1">
+                        <a:lnSpc>
+                          <a:spcPct val="100000"/>
+                        </a:lnSpc>
+                        <a:spcBef>
+                          <a:spcPts val="0"/>
+                        </a:spcBef>
+                        <a:spcAft>
+                          <a:spcPts val="0"/>
+                        </a:spcAft>
+                        <a:buClrTx/>
+                        <a:buSzTx/>
+                        <a:buFontTx/>
+                        <a:buNone/>
+                        <a:tabLst/>
+                        <a:defRPr/>
+                      </a:pPr>
+                      <a:r>
+                        <a:rPr lang="en-US" altLang="zh-CN" u="none" dirty="0" smtClean="0"/>
+                        <a:t>memory</a:t>
+                      </a:r>
+                      <a:endParaRPr lang="zh-CN" altLang="en-US" u="none" dirty="0" smtClean="0"/>
+                    </a:p>
+                  </a:txBody>
+                  <a:tcPr/>
+                </a:tc>
+                <a:tc>
+                  <a:txBody>
+                    <a:bodyPr/>
+                    <a:lstStyle/>
+                    <a:p>
+                      <a:pPr marL="0" marR="0" indent="0" algn="l" defTabSz="914400" rtl="0" eaLnBrk="1" fontAlgn="auto" latinLnBrk="0" hangingPunct="1">
+                        <a:lnSpc>
+                          <a:spcPct val="100000"/>
+                        </a:lnSpc>
+                        <a:spcBef>
+                          <a:spcPts val="0"/>
+                        </a:spcBef>
+                        <a:spcAft>
+                          <a:spcPts val="0"/>
+                        </a:spcAft>
+                        <a:buClrTx/>
+                        <a:buSzTx/>
+                        <a:buFontTx/>
+                        <a:buNone/>
+                        <a:tabLst/>
+                        <a:defRPr/>
+                      </a:pPr>
+                      <a:r>
+                        <a:rPr lang="en-US" altLang="zh-CN" u="none" dirty="0" smtClean="0"/>
+                        <a:t>{‘host’:’keystone’,</a:t>
+                      </a:r>
+                    </a:p>
+                    <a:p>
+                      <a:pPr marL="0" marR="0" indent="0" algn="l" defTabSz="914400" rtl="0" eaLnBrk="1" fontAlgn="auto" latinLnBrk="0" hangingPunct="1">
+                        <a:lnSpc>
+                          <a:spcPct val="100000"/>
+                        </a:lnSpc>
+                        <a:spcBef>
+                          <a:spcPts val="0"/>
+                        </a:spcBef>
+                        <a:spcAft>
+                          <a:spcPts val="0"/>
+                        </a:spcAft>
+                        <a:buClrTx/>
+                        <a:buSzTx/>
+                        <a:buFontTx/>
+                        <a:buNone/>
+                        <a:tabLst/>
+                        <a:defRPr/>
+                      </a:pPr>
+                      <a:r>
+                        <a:rPr lang="en-US" altLang="zh-CN" sz="1800" i="0" u="none" kern="1200" baseline="0" dirty="0" smtClean="0">
+                          <a:solidFill>
+                            <a:schemeClr val="dk1"/>
+                          </a:solidFill>
+                          <a:latin typeface="+mn-lt"/>
+                          <a:ea typeface="+mn-ea"/>
+                          <a:cs typeface="+mn-cs"/>
+                        </a:rPr>
+                        <a:t> ‘timestamp’ : ’2018-04-10 16:13:23’,</a:t>
+                      </a:r>
+                      <a:endParaRPr lang="en-US" altLang="zh-CN" u="none" dirty="0" smtClean="0"/>
+                    </a:p>
+                    <a:p>
+                      <a:r>
+                        <a:rPr lang="en-US" altLang="zh-CN" u="none" dirty="0" smtClean="0"/>
+                        <a:t>‘free’:7.6 ,</a:t>
+                      </a:r>
+                    </a:p>
+                    <a:p>
+                      <a:r>
+                        <a:rPr lang="en-US" altLang="zh-CN" u="none" dirty="0" smtClean="0"/>
+                        <a:t>‘total’:8}</a:t>
+                      </a:r>
+                      <a:endParaRPr lang="zh-CN" altLang="en-US" u="none" dirty="0"/>
+                    </a:p>
+                  </a:txBody>
+                  <a:tcPr/>
+                </a:tc>
+              </a:tr>
+              <a:tr h="380538">
+                <a:tc>
+                  <a:txBody>
+                    <a:bodyPr/>
+                    <a:lstStyle/>
+                    <a:p>
+                      <a:r>
+                        <a:rPr lang="en-US" altLang="zh-CN" u="none" dirty="0" smtClean="0"/>
+                        <a:t>monitor</a:t>
+                      </a:r>
+                      <a:endParaRPr lang="zh-CN" altLang="en-US" u="none" dirty="0"/>
+                    </a:p>
+                  </a:txBody>
+                  <a:tcPr/>
+                </a:tc>
+                <a:tc>
+                  <a:txBody>
+                    <a:bodyPr/>
+                    <a:lstStyle/>
+                    <a:p>
+                      <a:pPr marL="0" marR="0" indent="0" algn="l" defTabSz="914400" rtl="0" eaLnBrk="1" fontAlgn="auto" latinLnBrk="0" hangingPunct="1">
+                        <a:lnSpc>
+                          <a:spcPct val="100000"/>
+                        </a:lnSpc>
+                        <a:spcBef>
+                          <a:spcPts val="0"/>
+                        </a:spcBef>
+                        <a:spcAft>
+                          <a:spcPts val="0"/>
+                        </a:spcAft>
+                        <a:buClrTx/>
+                        <a:buSzTx/>
+                        <a:buFontTx/>
+                        <a:buNone/>
+                        <a:tabLst/>
+                        <a:defRPr/>
+                      </a:pPr>
+                      <a:r>
+                        <a:rPr lang="en-US" altLang="zh-CN" u="none" dirty="0" smtClean="0"/>
+                        <a:t>disk</a:t>
+                      </a:r>
+                      <a:endParaRPr lang="zh-CN" altLang="en-US" u="none" dirty="0" smtClean="0"/>
+                    </a:p>
+                  </a:txBody>
+                  <a:tcPr/>
+                </a:tc>
+                <a:tc>
+                  <a:txBody>
+                    <a:bodyPr/>
+                    <a:lstStyle/>
+                    <a:p>
+                      <a:pPr marL="0" marR="0" indent="0" algn="l" defTabSz="914400" rtl="0" eaLnBrk="1" fontAlgn="auto" latinLnBrk="0" hangingPunct="1">
+                        <a:lnSpc>
+                          <a:spcPct val="100000"/>
+                        </a:lnSpc>
+                        <a:spcBef>
+                          <a:spcPts val="0"/>
+                        </a:spcBef>
+                        <a:spcAft>
+                          <a:spcPts val="0"/>
+                        </a:spcAft>
+                        <a:buClrTx/>
+                        <a:buSzTx/>
+                        <a:buFontTx/>
+                        <a:buNone/>
+                        <a:tabLst/>
+                        <a:defRPr/>
+                      </a:pPr>
+                      <a:r>
+                        <a:rPr lang="en-US" altLang="zh-CN" u="none" dirty="0" smtClean="0"/>
+                        <a:t>{‘host’:’keystone’,</a:t>
+                      </a:r>
+                    </a:p>
+                    <a:p>
+                      <a:pPr marL="0" marR="0" indent="0" algn="l" defTabSz="914400" rtl="0" eaLnBrk="1" fontAlgn="auto" latinLnBrk="0" hangingPunct="1">
+                        <a:lnSpc>
+                          <a:spcPct val="100000"/>
+                        </a:lnSpc>
+                        <a:spcBef>
+                          <a:spcPts val="0"/>
+                        </a:spcBef>
+                        <a:spcAft>
+                          <a:spcPts val="0"/>
+                        </a:spcAft>
+                        <a:buClrTx/>
+                        <a:buSzTx/>
+                        <a:buFontTx/>
+                        <a:buNone/>
+                        <a:tabLst/>
+                        <a:defRPr/>
+                      </a:pPr>
+                      <a:r>
+                        <a:rPr lang="en-US" altLang="zh-CN" sz="1800" i="0" u="none" kern="1200" baseline="0" dirty="0" smtClean="0">
+                          <a:solidFill>
+                            <a:schemeClr val="dk1"/>
+                          </a:solidFill>
+                          <a:latin typeface="+mn-lt"/>
+                          <a:ea typeface="+mn-ea"/>
+                          <a:cs typeface="+mn-cs"/>
+                        </a:rPr>
+                        <a:t> ‘timestamp’ : ’2018-04-10 16:13:23’,</a:t>
+                      </a:r>
+                      <a:endParaRPr lang="en-US" altLang="zh-CN" u="none" dirty="0" smtClean="0"/>
+                    </a:p>
+                    <a:p>
+                      <a:pPr marL="0" marR="0" indent="0" algn="l" defTabSz="914400" rtl="0" eaLnBrk="1" fontAlgn="auto" latinLnBrk="0" hangingPunct="1">
+                        <a:lnSpc>
+                          <a:spcPct val="100000"/>
+                        </a:lnSpc>
+                        <a:spcBef>
+                          <a:spcPts val="0"/>
+                        </a:spcBef>
+                        <a:spcAft>
+                          <a:spcPts val="0"/>
+                        </a:spcAft>
+                        <a:buClrTx/>
+                        <a:buSzTx/>
+                        <a:buFontTx/>
+                        <a:buNone/>
+                        <a:tabLst/>
+                        <a:defRPr/>
+                      </a:pPr>
+                      <a:r>
+                        <a:rPr lang="en-US" altLang="zh-CN" u="none" dirty="0" smtClean="0"/>
+                        <a:t>‘partition’:’/’,</a:t>
+                      </a:r>
+                    </a:p>
+                    <a:p>
+                      <a:r>
+                        <a:rPr lang="en-US" altLang="zh-CN" u="none" dirty="0" smtClean="0"/>
+                        <a:t>‘usage’:12,</a:t>
+                      </a:r>
+                    </a:p>
+                    <a:p>
+                      <a:r>
+                        <a:rPr lang="en-US" altLang="zh-CN" u="none" dirty="0" smtClean="0"/>
+                        <a:t>‘free’:13,}</a:t>
+                      </a:r>
+                      <a:endParaRPr lang="zh-CN" altLang="en-US" u="none" dirty="0" smtClean="0"/>
+                    </a:p>
+                  </a:txBody>
+                  <a:tcPr/>
+                </a:tc>
+              </a:tr>
+              <a:tr h="623473">
+                <a:tc>
+                  <a:txBody>
+                    <a:bodyPr/>
+                    <a:lstStyle/>
+                    <a:p>
+                      <a:r>
+                        <a:rPr lang="en-US" altLang="zh-CN" u="none" dirty="0" smtClean="0"/>
+                        <a:t>monitor</a:t>
+                      </a:r>
+                      <a:endParaRPr lang="zh-CN" altLang="en-US" u="none" dirty="0"/>
+                    </a:p>
+                  </a:txBody>
+                  <a:tcPr/>
+                </a:tc>
+                <a:tc>
+                  <a:txBody>
+                    <a:bodyPr/>
+                    <a:lstStyle/>
+                    <a:p>
+                      <a:pPr marL="0" marR="0" indent="0" algn="l" defTabSz="914400" rtl="0" eaLnBrk="1" fontAlgn="auto" latinLnBrk="0" hangingPunct="1">
+                        <a:lnSpc>
+                          <a:spcPct val="100000"/>
+                        </a:lnSpc>
+                        <a:spcBef>
+                          <a:spcPts val="0"/>
+                        </a:spcBef>
+                        <a:spcAft>
+                          <a:spcPts val="0"/>
+                        </a:spcAft>
+                        <a:buClrTx/>
+                        <a:buSzTx/>
+                        <a:buFontTx/>
+                        <a:buNone/>
+                        <a:tabLst/>
+                        <a:defRPr/>
+                      </a:pPr>
+                      <a:r>
+                        <a:rPr lang="en-US" altLang="zh-CN" u="none" dirty="0" smtClean="0"/>
+                        <a:t>network</a:t>
+                      </a:r>
+                      <a:endParaRPr lang="zh-CN" altLang="en-US" u="none" dirty="0" smtClean="0"/>
+                    </a:p>
+                  </a:txBody>
+                  <a:tcPr/>
+                </a:tc>
+                <a:tc>
+                  <a:txBody>
+                    <a:bodyPr/>
+                    <a:lstStyle/>
+                    <a:p>
+                      <a:pPr marL="0" marR="0" indent="0" algn="l" defTabSz="914400" rtl="0" eaLnBrk="1" fontAlgn="auto" latinLnBrk="0" hangingPunct="1">
+                        <a:lnSpc>
+                          <a:spcPct val="100000"/>
+                        </a:lnSpc>
+                        <a:spcBef>
+                          <a:spcPts val="0"/>
+                        </a:spcBef>
+                        <a:spcAft>
+                          <a:spcPts val="0"/>
+                        </a:spcAft>
+                        <a:buClrTx/>
+                        <a:buSzTx/>
+                        <a:buFontTx/>
+                        <a:buNone/>
+                        <a:tabLst/>
+                        <a:defRPr/>
+                      </a:pPr>
+                      <a:r>
+                        <a:rPr lang="en-US" altLang="zh-CN" u="none" dirty="0" smtClean="0"/>
+                        <a:t>{‘host’:’keystone’,</a:t>
+                      </a:r>
+                    </a:p>
+                    <a:p>
+                      <a:pPr marL="0" marR="0" indent="0" algn="l" defTabSz="914400" rtl="0" eaLnBrk="1" fontAlgn="auto" latinLnBrk="0" hangingPunct="1">
+                        <a:lnSpc>
+                          <a:spcPct val="100000"/>
+                        </a:lnSpc>
+                        <a:spcBef>
+                          <a:spcPts val="0"/>
+                        </a:spcBef>
+                        <a:spcAft>
+                          <a:spcPts val="0"/>
+                        </a:spcAft>
+                        <a:buClrTx/>
+                        <a:buSzTx/>
+                        <a:buFontTx/>
+                        <a:buNone/>
+                        <a:tabLst/>
+                        <a:defRPr/>
+                      </a:pPr>
+                      <a:r>
+                        <a:rPr lang="en-US" altLang="zh-CN" sz="1800" i="0" u="none" kern="1200" baseline="0" dirty="0" smtClean="0">
+                          <a:solidFill>
+                            <a:schemeClr val="dk1"/>
+                          </a:solidFill>
+                          <a:latin typeface="+mn-lt"/>
+                          <a:ea typeface="+mn-ea"/>
+                          <a:cs typeface="+mn-cs"/>
+                        </a:rPr>
+                        <a:t> ‘timestamp’ : ’2018-04-10 16:13:23’,</a:t>
+                      </a:r>
+                      <a:endParaRPr lang="en-US" altLang="zh-CN" u="none" dirty="0" smtClean="0"/>
+                    </a:p>
+                    <a:p>
+                      <a:pPr marL="0" marR="0" indent="0" algn="l" defTabSz="914400" rtl="0" eaLnBrk="1" fontAlgn="auto" latinLnBrk="0" hangingPunct="1">
+                        <a:lnSpc>
+                          <a:spcPct val="100000"/>
+                        </a:lnSpc>
+                        <a:spcBef>
+                          <a:spcPts val="0"/>
+                        </a:spcBef>
+                        <a:spcAft>
+                          <a:spcPts val="0"/>
+                        </a:spcAft>
+                        <a:buClrTx/>
+                        <a:buSzTx/>
+                        <a:buFontTx/>
+                        <a:buNone/>
+                        <a:tabLst/>
+                        <a:defRPr/>
+                      </a:pPr>
+                      <a:r>
+                        <a:rPr lang="en-US" altLang="zh-CN" u="none" dirty="0" smtClean="0"/>
+                        <a:t>‘device’:’eth0’,</a:t>
+                      </a:r>
+                    </a:p>
+                    <a:p>
+                      <a:r>
+                        <a:rPr lang="en-US" altLang="zh-CN" u="none" dirty="0" smtClean="0"/>
+                        <a:t>‘transmit’:120,</a:t>
+                      </a:r>
+                    </a:p>
+                    <a:p>
+                      <a:r>
+                        <a:rPr lang="en-US" altLang="zh-CN" u="none" dirty="0" smtClean="0"/>
+                        <a:t>‘receive’:230,</a:t>
+                      </a:r>
+                    </a:p>
+                    <a:p>
+                      <a:r>
+                        <a:rPr lang="en-US" altLang="zh-CN" u="none" dirty="0" smtClean="0"/>
+                        <a:t>‘drop’:23}</a:t>
+                      </a:r>
+                      <a:endParaRPr lang="zh-CN" altLang="en-US" u="none" dirty="0" smtClean="0"/>
+                    </a:p>
+                  </a:txBody>
+                  <a:tcPr/>
+                </a:tc>
+              </a:tr>
+            </a:tbl>
+          </a:graphicData>
+        </a:graphic>
+      </p:graphicFrame>
+    </p:spTree>
+    <p:extLst>
+      <p:ext uri="{BB962C8B-B14F-4D97-AF65-F5344CB8AC3E}">
+        <p14:creationId xmlns:p14="http://schemas.microsoft.com/office/powerpoint/2010/main" val="2390644504"/>
+      </p:ext>
+    </p:extLst>
+  </p:cSld>
+  <p:clrMapOvr>
+    <a:masterClrMapping/>
+  </p:clrMapOvr>
+</p:sld>
+</file>
+
+<file path=ppt/slides/slide7.xml><?xml version="1.0" encoding="utf-8"?>
+<p:sld xmlns:a="http://schemas.openxmlformats.org/drawingml/2006/main" xmlns:r="http://schemas.openxmlformats.org/officeDocument/2006/relationships" xmlns:p="http://schemas.openxmlformats.org/presentationml/2006/main">
+  <p:cSld>
+    <p:spTree>
+      <p:nvGrpSpPr>
+        <p:cNvPr id="1" name=""/>
+        <p:cNvGrpSpPr/>
+        <p:nvPr/>
+      </p:nvGrpSpPr>
+      <p:grpSpPr>
+        <a:xfrm>
+          <a:off x="0" y="0"/>
+          <a:ext cx="0" cy="0"/>
+          <a:chOff x="0" y="0"/>
+          <a:chExt cx="0" cy="0"/>
+        </a:xfrm>
+      </p:grpSpPr>
+      <p:sp>
+        <p:nvSpPr>
+          <p:cNvPr id="15" name="矩形 14"/>
+          <p:cNvSpPr/>
+          <p:nvPr/>
+        </p:nvSpPr>
+        <p:spPr>
+          <a:xfrm>
+            <a:off x="323528" y="692696"/>
+            <a:ext cx="5328592" cy="2088232"/>
+          </a:xfrm>
+          <a:prstGeom prst="rect">
+            <a:avLst/>
+          </a:prstGeom>
+          <a:solidFill>
+            <a:schemeClr val="bg1">
+              <a:lumMod val="85000"/>
+            </a:schemeClr>
+          </a:solidFill>
+        </p:spPr>
+        <p:style>
+          <a:lnRef idx="2">
+            <a:schemeClr val="accent1">
+              <a:shade val="50000"/>
+            </a:schemeClr>
+          </a:lnRef>
+          <a:fillRef idx="1">
+            <a:schemeClr val="accent1"/>
+          </a:fillRef>
+          <a:effectRef idx="0">
+            <a:schemeClr val="accent1"/>
+          </a:effectRef>
+          <a:fontRef idx="minor">
+            <a:schemeClr val="lt1"/>
+          </a:fontRef>
+        </p:style>
+        <p:txBody>
+          <a:bodyPr rtlCol="0" anchor="ctr"/>
+          <a:lstStyle/>
+          <a:p>
+            <a:pPr algn="ctr"/>
+            <a:endParaRPr lang="zh-CN" altLang="en-US" dirty="0"/>
+          </a:p>
+        </p:txBody>
+      </p:sp>
+      <p:sp>
+        <p:nvSpPr>
+          <p:cNvPr id="4" name="矩形 3"/>
+          <p:cNvSpPr/>
+          <p:nvPr/>
+        </p:nvSpPr>
+        <p:spPr>
+          <a:xfrm>
+            <a:off x="395536" y="4005064"/>
+            <a:ext cx="5184576" cy="2448272"/>
+          </a:xfrm>
+          <a:prstGeom prst="rect">
+            <a:avLst/>
+          </a:prstGeom>
+          <a:solidFill>
+            <a:schemeClr val="bg1"/>
+          </a:solidFill>
+        </p:spPr>
+        <p:style>
+          <a:lnRef idx="2">
+            <a:schemeClr val="accent1">
+              <a:shade val="50000"/>
+            </a:schemeClr>
+          </a:lnRef>
+          <a:fillRef idx="1">
+            <a:schemeClr val="accent1"/>
+          </a:fillRef>
+          <a:effectRef idx="0">
+            <a:schemeClr val="accent1"/>
+          </a:effectRef>
+          <a:fontRef idx="minor">
+            <a:schemeClr val="lt1"/>
+          </a:fontRef>
+        </p:style>
+        <p:txBody>
+          <a:bodyPr rtlCol="0" anchor="ctr"/>
+          <a:lstStyle/>
+          <a:p>
+            <a:pPr algn="ctr"/>
+            <a:endParaRPr lang="zh-CN" altLang="en-US"/>
+          </a:p>
+        </p:txBody>
+      </p:sp>
+      <p:sp>
+        <p:nvSpPr>
+          <p:cNvPr id="5" name="TextBox 4"/>
+          <p:cNvSpPr txBox="1"/>
+          <p:nvPr/>
+        </p:nvSpPr>
+        <p:spPr>
+          <a:xfrm>
+            <a:off x="611560" y="4149080"/>
+            <a:ext cx="1860959" cy="369332"/>
+          </a:xfrm>
+          <a:prstGeom prst="rect">
+            <a:avLst/>
+          </a:prstGeom>
+          <a:noFill/>
+        </p:spPr>
+        <p:txBody>
+          <a:bodyPr wrap="none" rtlCol="0">
+            <a:spAutoFit/>
+          </a:bodyPr>
+          <a:lstStyle/>
+          <a:p>
+            <a:r>
+              <a:rPr lang="en-US" altLang="zh-CN" dirty="0" smtClean="0"/>
+              <a:t>DCOS</a:t>
+            </a:r>
+            <a:r>
+              <a:rPr lang="zh-CN" altLang="en-US" dirty="0" smtClean="0"/>
+              <a:t>服务器区域</a:t>
+            </a:r>
+            <a:endParaRPr lang="zh-CN" altLang="en-US" dirty="0"/>
+          </a:p>
+        </p:txBody>
+      </p:sp>
+      <p:sp>
+        <p:nvSpPr>
+          <p:cNvPr id="6" name="椭圆 5"/>
+          <p:cNvSpPr/>
+          <p:nvPr/>
+        </p:nvSpPr>
+        <p:spPr>
+          <a:xfrm>
+            <a:off x="1567036" y="1700808"/>
+            <a:ext cx="2514655" cy="792088"/>
+          </a:xfrm>
+          <a:prstGeom prst="ellipse">
+            <a:avLst/>
+          </a:prstGeom>
+          <a:solidFill>
+            <a:schemeClr val="bg1"/>
+          </a:solidFill>
+        </p:spPr>
+        <p:style>
+          <a:lnRef idx="2">
+            <a:schemeClr val="accent1">
+              <a:shade val="50000"/>
+            </a:schemeClr>
+          </a:lnRef>
+          <a:fillRef idx="1">
+            <a:schemeClr val="accent1"/>
+          </a:fillRef>
+          <a:effectRef idx="0">
+            <a:schemeClr val="accent1"/>
+          </a:effectRef>
+          <a:fontRef idx="minor">
+            <a:schemeClr val="lt1"/>
+          </a:fontRef>
+        </p:style>
+        <p:txBody>
+          <a:bodyPr rtlCol="0" anchor="ctr"/>
+          <a:lstStyle/>
+          <a:p>
+            <a:pPr algn="ctr"/>
+            <a:endParaRPr lang="zh-CN" altLang="en-US"/>
+          </a:p>
+        </p:txBody>
+      </p:sp>
+      <p:sp>
+        <p:nvSpPr>
+          <p:cNvPr id="7" name="TextBox 6"/>
+          <p:cNvSpPr txBox="1"/>
+          <p:nvPr/>
+        </p:nvSpPr>
+        <p:spPr>
+          <a:xfrm>
+            <a:off x="1724799" y="1912186"/>
+            <a:ext cx="2199128" cy="369332"/>
+          </a:xfrm>
+          <a:prstGeom prst="rect">
+            <a:avLst/>
+          </a:prstGeom>
+          <a:noFill/>
+        </p:spPr>
+        <p:txBody>
+          <a:bodyPr wrap="none" rtlCol="0">
+            <a:spAutoFit/>
+          </a:bodyPr>
+          <a:lstStyle/>
+          <a:p>
+            <a:r>
+              <a:rPr lang="en-US" altLang="zh-CN" dirty="0" smtClean="0"/>
+              <a:t>Client (</a:t>
+            </a:r>
+            <a:r>
+              <a:rPr lang="zh-CN" altLang="en-US" dirty="0" smtClean="0"/>
+              <a:t>浏览器，</a:t>
+            </a:r>
+            <a:r>
+              <a:rPr lang="en-US" altLang="zh-CN" dirty="0" smtClean="0"/>
+              <a:t>SSH)</a:t>
+            </a:r>
+            <a:endParaRPr lang="zh-CN" altLang="en-US" dirty="0"/>
+          </a:p>
+        </p:txBody>
+      </p:sp>
+      <p:sp>
+        <p:nvSpPr>
+          <p:cNvPr id="8" name="圆角矩形 7"/>
+          <p:cNvSpPr/>
+          <p:nvPr/>
+        </p:nvSpPr>
+        <p:spPr>
+          <a:xfrm>
+            <a:off x="611560" y="4797152"/>
+            <a:ext cx="1716943" cy="1512168"/>
+          </a:xfrm>
+          <a:prstGeom prst="roundRect">
+            <a:avLst/>
+          </a:prstGeom>
+          <a:solidFill>
+            <a:schemeClr val="bg1"/>
+          </a:solidFill>
+          <a:ln>
+            <a:solidFill>
+              <a:schemeClr val="tx2">
+                <a:lumMod val="60000"/>
+                <a:lumOff val="40000"/>
+              </a:schemeClr>
+            </a:solidFill>
+          </a:ln>
+        </p:spPr>
+        <p:style>
+          <a:lnRef idx="2">
+            <a:schemeClr val="accent1">
+              <a:shade val="50000"/>
+            </a:schemeClr>
+          </a:lnRef>
+          <a:fillRef idx="1">
+            <a:schemeClr val="accent1"/>
+          </a:fillRef>
+          <a:effectRef idx="0">
+            <a:schemeClr val="accent1"/>
+          </a:effectRef>
+          <a:fontRef idx="minor">
+            <a:schemeClr val="lt1"/>
+          </a:fontRef>
+        </p:style>
+        <p:txBody>
+          <a:bodyPr rtlCol="0" anchor="ctr"/>
+          <a:lstStyle/>
+          <a:p>
+            <a:pPr algn="ctr"/>
+            <a:endParaRPr lang="zh-CN" altLang="en-US" dirty="0"/>
+          </a:p>
+        </p:txBody>
+      </p:sp>
+      <p:sp>
+        <p:nvSpPr>
+          <p:cNvPr id="9" name="TextBox 8"/>
+          <p:cNvSpPr txBox="1"/>
+          <p:nvPr/>
+        </p:nvSpPr>
+        <p:spPr>
+          <a:xfrm>
+            <a:off x="637619" y="5044534"/>
+            <a:ext cx="1630126" cy="369332"/>
+          </a:xfrm>
+          <a:prstGeom prst="rect">
+            <a:avLst/>
+          </a:prstGeom>
+          <a:noFill/>
+        </p:spPr>
+        <p:txBody>
+          <a:bodyPr wrap="none" rtlCol="0">
+            <a:spAutoFit/>
+          </a:bodyPr>
+          <a:lstStyle/>
+          <a:p>
+            <a:r>
+              <a:rPr lang="en-US" altLang="zh-CN" dirty="0" smtClean="0"/>
+              <a:t>DCOS</a:t>
+            </a:r>
+            <a:r>
+              <a:rPr lang="zh-CN" altLang="en-US" dirty="0" smtClean="0"/>
+              <a:t>管理节点</a:t>
+            </a:r>
+            <a:endParaRPr lang="zh-CN" altLang="en-US" dirty="0"/>
+          </a:p>
+        </p:txBody>
+      </p:sp>
+      <p:sp>
+        <p:nvSpPr>
+          <p:cNvPr id="10" name="圆角矩形 9"/>
+          <p:cNvSpPr/>
+          <p:nvPr/>
+        </p:nvSpPr>
+        <p:spPr>
+          <a:xfrm>
+            <a:off x="3647145" y="4797152"/>
+            <a:ext cx="1716943" cy="1512168"/>
+          </a:xfrm>
+          <a:prstGeom prst="roundRect">
+            <a:avLst/>
+          </a:prstGeom>
+          <a:solidFill>
+            <a:schemeClr val="bg1"/>
+          </a:solidFill>
+          <a:ln>
+            <a:solidFill>
+              <a:schemeClr val="tx2">
+                <a:lumMod val="60000"/>
+                <a:lumOff val="40000"/>
+              </a:schemeClr>
+            </a:solidFill>
+          </a:ln>
+        </p:spPr>
+        <p:style>
+          <a:lnRef idx="2">
+            <a:schemeClr val="accent1">
+              <a:shade val="50000"/>
+            </a:schemeClr>
+          </a:lnRef>
+          <a:fillRef idx="1">
+            <a:schemeClr val="accent1"/>
+          </a:fillRef>
+          <a:effectRef idx="0">
+            <a:schemeClr val="accent1"/>
+          </a:effectRef>
+          <a:fontRef idx="minor">
+            <a:schemeClr val="lt1"/>
+          </a:fontRef>
+        </p:style>
+        <p:txBody>
+          <a:bodyPr rtlCol="0" anchor="ctr"/>
+          <a:lstStyle/>
+          <a:p>
+            <a:pPr algn="ctr"/>
+            <a:endParaRPr lang="zh-CN" altLang="en-US" dirty="0"/>
+          </a:p>
+        </p:txBody>
+      </p:sp>
+      <p:sp>
+        <p:nvSpPr>
+          <p:cNvPr id="11" name="TextBox 10"/>
+          <p:cNvSpPr txBox="1"/>
+          <p:nvPr/>
+        </p:nvSpPr>
+        <p:spPr>
+          <a:xfrm>
+            <a:off x="3673203" y="5075892"/>
+            <a:ext cx="1630126" cy="369332"/>
+          </a:xfrm>
+          <a:prstGeom prst="rect">
+            <a:avLst/>
+          </a:prstGeom>
+          <a:noFill/>
+        </p:spPr>
+        <p:txBody>
+          <a:bodyPr wrap="none" rtlCol="0">
+            <a:spAutoFit/>
+          </a:bodyPr>
+          <a:lstStyle/>
+          <a:p>
+            <a:r>
+              <a:rPr lang="en-US" altLang="zh-CN" dirty="0" smtClean="0"/>
+              <a:t>DCOS</a:t>
+            </a:r>
+            <a:r>
+              <a:rPr lang="zh-CN" altLang="en-US" dirty="0" smtClean="0"/>
+              <a:t>计算节点</a:t>
+            </a:r>
+            <a:endParaRPr lang="zh-CN" altLang="en-US" dirty="0"/>
+          </a:p>
+        </p:txBody>
+      </p:sp>
+      <p:cxnSp>
+        <p:nvCxnSpPr>
+          <p:cNvPr id="13" name="直接箭头连接符 12"/>
+          <p:cNvCxnSpPr/>
+          <p:nvPr/>
+        </p:nvCxnSpPr>
+        <p:spPr>
+          <a:xfrm>
+            <a:off x="2472519" y="5553236"/>
+            <a:ext cx="1019361" cy="0"/>
+          </a:xfrm>
+          <a:prstGeom prst="straightConnector1">
+            <a:avLst/>
+          </a:prstGeom>
+          <a:ln w="22225">
+            <a:solidFill>
+              <a:schemeClr val="tx1"/>
+            </a:solidFill>
+            <a:headEnd type="arrow"/>
+            <a:tailEnd type="arrow"/>
+          </a:ln>
+        </p:spPr>
+        <p:style>
+          <a:lnRef idx="1">
+            <a:schemeClr val="accent1"/>
+          </a:lnRef>
+          <a:fillRef idx="0">
+            <a:schemeClr val="accent1"/>
+          </a:fillRef>
+          <a:effectRef idx="0">
+            <a:schemeClr val="accent1"/>
+          </a:effectRef>
+          <a:fontRef idx="minor">
+            <a:schemeClr val="tx1"/>
+          </a:fontRef>
+        </p:style>
+      </p:cxnSp>
+      <p:sp>
+        <p:nvSpPr>
+          <p:cNvPr id="14" name="TextBox 13"/>
+          <p:cNvSpPr txBox="1"/>
+          <p:nvPr/>
+        </p:nvSpPr>
+        <p:spPr>
+          <a:xfrm>
+            <a:off x="2455892" y="5093043"/>
+            <a:ext cx="1107996" cy="369332"/>
+          </a:xfrm>
+          <a:prstGeom prst="rect">
+            <a:avLst/>
+          </a:prstGeom>
+          <a:noFill/>
+        </p:spPr>
+        <p:txBody>
+          <a:bodyPr wrap="none" rtlCol="0">
+            <a:spAutoFit/>
+          </a:bodyPr>
+          <a:lstStyle/>
+          <a:p>
+            <a:r>
+              <a:rPr lang="zh-CN" altLang="en-US" dirty="0" smtClean="0"/>
+              <a:t>网络畅通</a:t>
+            </a:r>
+            <a:endParaRPr lang="zh-CN" altLang="en-US" dirty="0"/>
+          </a:p>
+        </p:txBody>
+      </p:sp>
+      <p:sp>
+        <p:nvSpPr>
+          <p:cNvPr id="16" name="TextBox 15"/>
+          <p:cNvSpPr txBox="1"/>
+          <p:nvPr/>
+        </p:nvSpPr>
+        <p:spPr>
+          <a:xfrm>
+            <a:off x="395536" y="981961"/>
+            <a:ext cx="2040943" cy="461665"/>
+          </a:xfrm>
+          <a:prstGeom prst="rect">
+            <a:avLst/>
+          </a:prstGeom>
+          <a:noFill/>
+        </p:spPr>
+        <p:txBody>
+          <a:bodyPr wrap="none" rtlCol="0">
+            <a:spAutoFit/>
+          </a:bodyPr>
+          <a:lstStyle/>
+          <a:p>
+            <a:r>
+              <a:rPr lang="zh-CN" altLang="en-US" sz="2400" b="1" dirty="0" smtClean="0">
+                <a:solidFill>
+                  <a:schemeClr val="bg1"/>
+                </a:solidFill>
+              </a:rPr>
+              <a:t>用户操作区域</a:t>
+            </a:r>
+            <a:endParaRPr lang="zh-CN" altLang="en-US" sz="2400" b="1" dirty="0">
+              <a:solidFill>
+                <a:schemeClr val="bg1"/>
+              </a:solidFill>
+            </a:endParaRPr>
+          </a:p>
+        </p:txBody>
+      </p:sp>
+      <p:cxnSp>
+        <p:nvCxnSpPr>
+          <p:cNvPr id="18" name="直接箭头连接符 17"/>
+          <p:cNvCxnSpPr/>
+          <p:nvPr/>
+        </p:nvCxnSpPr>
+        <p:spPr>
+          <a:xfrm>
+            <a:off x="2915816" y="2852936"/>
+            <a:ext cx="0" cy="1080120"/>
+          </a:xfrm>
+          <a:prstGeom prst="straightConnector1">
+            <a:avLst/>
+          </a:prstGeom>
+          <a:ln w="22225">
+            <a:headEnd type="arrow"/>
+            <a:tailEnd type="arrow"/>
+          </a:ln>
+        </p:spPr>
+        <p:style>
+          <a:lnRef idx="1">
+            <a:schemeClr val="accent1"/>
+          </a:lnRef>
+          <a:fillRef idx="0">
+            <a:schemeClr val="accent1"/>
+          </a:fillRef>
+          <a:effectRef idx="0">
+            <a:schemeClr val="accent1"/>
+          </a:effectRef>
+          <a:fontRef idx="minor">
+            <a:schemeClr val="tx1"/>
+          </a:fontRef>
+        </p:style>
+      </p:cxnSp>
+      <p:sp>
+        <p:nvSpPr>
+          <p:cNvPr id="19" name="TextBox 18"/>
+          <p:cNvSpPr txBox="1"/>
+          <p:nvPr/>
+        </p:nvSpPr>
+        <p:spPr>
+          <a:xfrm>
+            <a:off x="3124452" y="2852936"/>
+            <a:ext cx="461665" cy="1015663"/>
+          </a:xfrm>
+          <a:prstGeom prst="rect">
+            <a:avLst/>
+          </a:prstGeom>
+          <a:noFill/>
+        </p:spPr>
+        <p:txBody>
+          <a:bodyPr vert="eaVert" wrap="none" rtlCol="0">
+            <a:spAutoFit/>
+          </a:bodyPr>
+          <a:lstStyle/>
+          <a:p>
+            <a:r>
+              <a:rPr lang="zh-CN" altLang="en-US" dirty="0" smtClean="0"/>
+              <a:t>网络畅通</a:t>
+            </a:r>
+            <a:endParaRPr lang="zh-CN" altLang="en-US" dirty="0"/>
+          </a:p>
+        </p:txBody>
+      </p:sp>
+    </p:spTree>
+    <p:extLst>
+      <p:ext uri="{BB962C8B-B14F-4D97-AF65-F5344CB8AC3E}">
+        <p14:creationId xmlns:p14="http://schemas.microsoft.com/office/powerpoint/2010/main" val="3465750837"/>
       </p:ext>
     </p:extLst>
   </p:cSld>

--- a/监控设计.pptx
+++ b/监控设计.pptx
@@ -294,7 +294,7 @@
           <a:p>
             <a:fld id="{530820CF-B880-4189-942D-D702A7CBA730}" type="datetimeFigureOut">
               <a:rPr lang="zh-CN" altLang="en-US" smtClean="0"/>
-              <a:t>2018/4/10</a:t>
+              <a:t>2018/4/11</a:t>
             </a:fld>
             <a:endParaRPr lang="zh-CN" altLang="en-US"/>
           </a:p>
@@ -459,7 +459,7 @@
           <a:p>
             <a:fld id="{530820CF-B880-4189-942D-D702A7CBA730}" type="datetimeFigureOut">
               <a:rPr lang="zh-CN" altLang="en-US" smtClean="0"/>
-              <a:t>2018/4/10</a:t>
+              <a:t>2018/4/11</a:t>
             </a:fld>
             <a:endParaRPr lang="zh-CN" altLang="en-US"/>
           </a:p>
@@ -634,7 +634,7 @@
           <a:p>
             <a:fld id="{530820CF-B880-4189-942D-D702A7CBA730}" type="datetimeFigureOut">
               <a:rPr lang="zh-CN" altLang="en-US" smtClean="0"/>
-              <a:t>2018/4/10</a:t>
+              <a:t>2018/4/11</a:t>
             </a:fld>
             <a:endParaRPr lang="zh-CN" altLang="en-US"/>
           </a:p>
@@ -799,7 +799,7 @@
           <a:p>
             <a:fld id="{530820CF-B880-4189-942D-D702A7CBA730}" type="datetimeFigureOut">
               <a:rPr lang="zh-CN" altLang="en-US" smtClean="0"/>
-              <a:t>2018/4/10</a:t>
+              <a:t>2018/4/11</a:t>
             </a:fld>
             <a:endParaRPr lang="zh-CN" altLang="en-US"/>
           </a:p>
@@ -1040,7 +1040,7 @@
           <a:p>
             <a:fld id="{530820CF-B880-4189-942D-D702A7CBA730}" type="datetimeFigureOut">
               <a:rPr lang="zh-CN" altLang="en-US" smtClean="0"/>
-              <a:t>2018/4/10</a:t>
+              <a:t>2018/4/11</a:t>
             </a:fld>
             <a:endParaRPr lang="zh-CN" altLang="en-US"/>
           </a:p>
@@ -1323,7 +1323,7 @@
           <a:p>
             <a:fld id="{530820CF-B880-4189-942D-D702A7CBA730}" type="datetimeFigureOut">
               <a:rPr lang="zh-CN" altLang="en-US" smtClean="0"/>
-              <a:t>2018/4/10</a:t>
+              <a:t>2018/4/11</a:t>
             </a:fld>
             <a:endParaRPr lang="zh-CN" altLang="en-US"/>
           </a:p>
@@ -1740,7 +1740,7 @@
           <a:p>
             <a:fld id="{530820CF-B880-4189-942D-D702A7CBA730}" type="datetimeFigureOut">
               <a:rPr lang="zh-CN" altLang="en-US" smtClean="0"/>
-              <a:t>2018/4/10</a:t>
+              <a:t>2018/4/11</a:t>
             </a:fld>
             <a:endParaRPr lang="zh-CN" altLang="en-US"/>
           </a:p>
@@ -1853,7 +1853,7 @@
           <a:p>
             <a:fld id="{530820CF-B880-4189-942D-D702A7CBA730}" type="datetimeFigureOut">
               <a:rPr lang="zh-CN" altLang="en-US" smtClean="0"/>
-              <a:t>2018/4/10</a:t>
+              <a:t>2018/4/11</a:t>
             </a:fld>
             <a:endParaRPr lang="zh-CN" altLang="en-US"/>
           </a:p>
@@ -1943,7 +1943,7 @@
           <a:p>
             <a:fld id="{530820CF-B880-4189-942D-D702A7CBA730}" type="datetimeFigureOut">
               <a:rPr lang="zh-CN" altLang="en-US" smtClean="0"/>
-              <a:t>2018/4/10</a:t>
+              <a:t>2018/4/11</a:t>
             </a:fld>
             <a:endParaRPr lang="zh-CN" altLang="en-US"/>
           </a:p>
@@ -2215,7 +2215,7 @@
           <a:p>
             <a:fld id="{530820CF-B880-4189-942D-D702A7CBA730}" type="datetimeFigureOut">
               <a:rPr lang="zh-CN" altLang="en-US" smtClean="0"/>
-              <a:t>2018/4/10</a:t>
+              <a:t>2018/4/11</a:t>
             </a:fld>
             <a:endParaRPr lang="zh-CN" altLang="en-US"/>
           </a:p>
@@ -2463,7 +2463,7 @@
           <a:p>
             <a:fld id="{530820CF-B880-4189-942D-D702A7CBA730}" type="datetimeFigureOut">
               <a:rPr lang="zh-CN" altLang="en-US" smtClean="0"/>
-              <a:t>2018/4/10</a:t>
+              <a:t>2018/4/11</a:t>
             </a:fld>
             <a:endParaRPr lang="zh-CN" altLang="en-US"/>
           </a:p>
@@ -2671,7 +2671,7 @@
           <a:p>
             <a:fld id="{530820CF-B880-4189-942D-D702A7CBA730}" type="datetimeFigureOut">
               <a:rPr lang="zh-CN" altLang="en-US" smtClean="0"/>
-              <a:t>2018/4/10</a:t>
+              <a:t>2018/4/11</a:t>
             </a:fld>
             <a:endParaRPr lang="zh-CN" altLang="en-US"/>
           </a:p>
@@ -5897,12 +5897,8 @@
           </a:p>
           <a:p>
             <a:r>
-              <a:rPr lang="en-US" altLang="zh-CN" dirty="0" smtClean="0"/>
-              <a:t>{      ’period</a:t>
-            </a:r>
-            <a:r>
               <a:rPr lang="en-US" altLang="zh-CN" dirty="0"/>
-              <a:t>’</a:t>
+              <a:t>{      'interval'</a:t>
             </a:r>
             <a:r>
               <a:rPr lang="zh-CN" altLang="en-US" dirty="0"/>
@@ -5910,105 +5906,73 @@
             </a:r>
             <a:r>
               <a:rPr lang="en-US" altLang="zh-CN" dirty="0"/>
-              <a:t>60</a:t>
-            </a:r>
-            <a:r>
-              <a:rPr lang="en-US" altLang="zh-CN" dirty="0" smtClean="0"/>
-              <a:t>,</a:t>
-            </a:r>
-          </a:p>
-          <a:p>
-            <a:r>
-              <a:rPr lang="en-US" altLang="zh-CN"/>
-              <a:t> </a:t>
-            </a:r>
-            <a:r>
-              <a:rPr lang="en-US" altLang="zh-CN" smtClean="0"/>
-              <a:t>       ‘host’:  </a:t>
-            </a:r>
-            <a:r>
-              <a:rPr lang="en-US" altLang="zh-CN" dirty="0" smtClean="0"/>
-              <a:t>‘keystone’,</a:t>
-            </a:r>
-            <a:endParaRPr lang="en-US" altLang="zh-CN" dirty="0"/>
-          </a:p>
-          <a:p>
-            <a:r>
-              <a:rPr lang="en-US" altLang="zh-CN" sz="1600" dirty="0"/>
-              <a:t>       </a:t>
-            </a:r>
+              <a:t>60,</a:t>
+            </a:r>
+          </a:p>
+          <a:p>
             <a:r>
               <a:rPr lang="en-US" altLang="zh-CN" dirty="0"/>
-              <a:t> ‘tasks</a:t>
-            </a:r>
-            <a:r>
-              <a:rPr lang="en-US" altLang="zh-CN" dirty="0" smtClean="0"/>
-              <a:t>’:[</a:t>
+              <a:t>        'host':  'keystone',</a:t>
             </a:r>
           </a:p>
           <a:p>
             <a:r>
               <a:rPr lang="en-US" altLang="zh-CN" dirty="0"/>
-              <a:t>	 </a:t>
-            </a:r>
-            <a:r>
-              <a:rPr lang="en-US" altLang="zh-CN" dirty="0" smtClean="0"/>
-              <a:t>  {‘</a:t>
-            </a:r>
+              <a:t>        'tasks':[</a:t>
+            </a:r>
+          </a:p>
+          <a:p>
             <a:r>
               <a:rPr lang="en-US" altLang="zh-CN" dirty="0"/>
+              <a:t>	   {'</a:t>
+            </a:r>
+            <a:r>
+              <a:rPr lang="en-US" altLang="zh-CN" dirty="0" err="1"/>
               <a:t>cpu</a:t>
             </a:r>
             <a:r>
-              <a:rPr lang="en-US" altLang="zh-CN" dirty="0" smtClean="0"/>
-              <a:t>’ : [‘use’, ’iowait’] },</a:t>
-            </a:r>
-          </a:p>
-          <a:p>
-            <a:r>
               <a:rPr lang="en-US" altLang="zh-CN" dirty="0"/>
-              <a:t>	</a:t>
-            </a:r>
-            <a:r>
-              <a:rPr lang="en-US" altLang="zh-CN" dirty="0" smtClean="0"/>
-              <a:t>   {‘mem’ : [‘free’] },</a:t>
-            </a:r>
-          </a:p>
-          <a:p>
+              <a:t>' : ['use', '</a:t>
+            </a:r>
+            <a:r>
+              <a:rPr lang="en-US" altLang="zh-CN" dirty="0" err="1"/>
+              <a:t>iowait</a:t>
+            </a:r>
             <a:r>
               <a:rPr lang="en-US" altLang="zh-CN" dirty="0"/>
-              <a:t>	</a:t>
-            </a:r>
-            <a:r>
-              <a:rPr lang="en-US" altLang="zh-CN" dirty="0" smtClean="0"/>
-              <a:t>   {‘disk’ :   [‘/’, ’/data’, ‘/home’] },</a:t>
+              <a:t>'] },</a:t>
             </a:r>
           </a:p>
           <a:p>
             <a:r>
               <a:rPr lang="en-US" altLang="zh-CN" dirty="0"/>
-              <a:t>	</a:t>
-            </a:r>
-            <a:r>
-              <a:rPr lang="en-US" altLang="zh-CN" dirty="0" smtClean="0"/>
-              <a:t>   {‘net’ :  [‘eth0’, ‘eth1’] }</a:t>
+              <a:t>	   {'memory' : ['free'] },</a:t>
             </a:r>
           </a:p>
           <a:p>
             <a:r>
               <a:rPr lang="en-US" altLang="zh-CN" dirty="0"/>
-              <a:t>	</a:t>
-            </a:r>
-            <a:r>
-              <a:rPr lang="en-US" altLang="zh-CN" dirty="0" smtClean="0"/>
-              <a:t>]</a:t>
-            </a:r>
-          </a:p>
-          <a:p>
-            <a:r>
-              <a:rPr lang="en-US" altLang="zh-CN" dirty="0" smtClean="0"/>
+              <a:t>	   {'disk':   ['/','/home'] },</a:t>
+            </a:r>
+          </a:p>
+          <a:p>
+            <a:r>
+              <a:rPr lang="en-US" altLang="zh-CN" dirty="0"/>
+              <a:t>	   {'network' :  ['eth0'] }</a:t>
+            </a:r>
+          </a:p>
+          <a:p>
+            <a:r>
+              <a:rPr lang="en-US" altLang="zh-CN" dirty="0"/>
+              <a:t>	]</a:t>
+            </a:r>
+          </a:p>
+          <a:p>
+            <a:r>
+              <a:rPr lang="en-US" altLang="zh-CN" dirty="0"/>
               <a:t>}</a:t>
             </a:r>
+            <a:endParaRPr lang="en-US" altLang="zh-CN" dirty="0" smtClean="0"/>
           </a:p>
         </p:txBody>
       </p:sp>
